--- a/Introduction-to-Search-Algorithms-in-Artificial-Intelligence-with-Python (1).pptx
+++ b/Introduction-to-Search-Algorithms-in-Artificial-Intelligence-with-Python (1).pptx
@@ -5,7 +5,7 @@
     <p:sldMasterId id="2147483648" r:id="rId1"/>
   </p:sldMasterIdLst>
   <p:notesMasterIdLst>
-    <p:notesMasterId r:id="rId12"/>
+    <p:notesMasterId r:id="rId11"/>
   </p:notesMasterIdLst>
   <p:sldIdLst>
     <p:sldId id="256" r:id="rId2"/>
@@ -16,22 +16,21 @@
     <p:sldId id="261" r:id="rId7"/>
     <p:sldId id="262" r:id="rId8"/>
     <p:sldId id="263" r:id="rId9"/>
-    <p:sldId id="264" r:id="rId10"/>
-    <p:sldId id="265" r:id="rId11"/>
+    <p:sldId id="265" r:id="rId10"/>
   </p:sldIdLst>
   <p:sldSz cx="14630400" cy="8229600"/>
   <p:notesSz cx="8229600" cy="14630400"/>
   <p:embeddedFontLst>
     <p:embeddedFont>
       <p:font typeface="Consolas" panose="020B0609020204030204" pitchFamily="49" charset="0"/>
-      <p:regular r:id="rId13"/>
-      <p:bold r:id="rId14"/>
-      <p:italic r:id="rId15"/>
-      <p:boldItalic r:id="rId16"/>
+      <p:regular r:id="rId12"/>
+      <p:bold r:id="rId13"/>
+      <p:italic r:id="rId14"/>
+      <p:boldItalic r:id="rId15"/>
     </p:embeddedFont>
     <p:embeddedFont>
       <p:font typeface="Overpass Light" panose="020B0604020202020204" charset="0"/>
-      <p:regular r:id="rId17"/>
+      <p:regular r:id="rId16"/>
     </p:embeddedFont>
   </p:embeddedFontLst>
   <p:defaultTextStyle>
@@ -135,6 +134,65 @@
     </p:ext>
   </p:extLst>
 </p:presentation>
+</file>
+
+<file path=ppt/changesInfos/changesInfo1.xml><?xml version="1.0" encoding="utf-8"?>
+<pc:chgInfo xmlns:a="http://schemas.openxmlformats.org/drawingml/2006/main" xmlns:r="http://schemas.openxmlformats.org/officeDocument/2006/relationships" xmlns:ac="http://schemas.microsoft.com/office/drawing/2013/main/command" xmlns:pc="http://schemas.microsoft.com/office/powerpoint/2013/main/command">
+  <pc:docChgLst>
+    <pc:chgData name="shafi uzzaman" userId="b58d54d27cf4cadd" providerId="LiveId" clId="{9DB58862-F4CC-46B4-B797-732731873B46}"/>
+    <pc:docChg chg="delSld modSld">
+      <pc:chgData name="shafi uzzaman" userId="b58d54d27cf4cadd" providerId="LiveId" clId="{9DB58862-F4CC-46B4-B797-732731873B46}" dt="2025-09-03T05:56:20.757" v="42" actId="2696"/>
+      <pc:docMkLst>
+        <pc:docMk/>
+      </pc:docMkLst>
+      <pc:sldChg chg="modSp mod">
+        <pc:chgData name="shafi uzzaman" userId="b58d54d27cf4cadd" providerId="LiveId" clId="{9DB58862-F4CC-46B4-B797-732731873B46}" dt="2025-09-02T13:10:23.917" v="0" actId="20577"/>
+        <pc:sldMkLst>
+          <pc:docMk/>
+          <pc:sldMk cId="0" sldId="260"/>
+        </pc:sldMkLst>
+        <pc:spChg chg="mod">
+          <ac:chgData name="shafi uzzaman" userId="b58d54d27cf4cadd" providerId="LiveId" clId="{9DB58862-F4CC-46B4-B797-732731873B46}" dt="2025-09-02T13:10:23.917" v="0" actId="20577"/>
+          <ac:spMkLst>
+            <pc:docMk/>
+            <pc:sldMk cId="0" sldId="260"/>
+            <ac:spMk id="11" creationId="{00000000-0000-0000-0000-000000000000}"/>
+          </ac:spMkLst>
+        </pc:spChg>
+      </pc:sldChg>
+      <pc:sldChg chg="del">
+        <pc:chgData name="shafi uzzaman" userId="b58d54d27cf4cadd" providerId="LiveId" clId="{9DB58862-F4CC-46B4-B797-732731873B46}" dt="2025-09-03T05:56:20.757" v="42" actId="2696"/>
+        <pc:sldMkLst>
+          <pc:docMk/>
+          <pc:sldMk cId="0" sldId="264"/>
+        </pc:sldMkLst>
+      </pc:sldChg>
+      <pc:sldChg chg="modSp mod">
+        <pc:chgData name="shafi uzzaman" userId="b58d54d27cf4cadd" providerId="LiveId" clId="{9DB58862-F4CC-46B4-B797-732731873B46}" dt="2025-09-03T05:56:01.775" v="41" actId="20577"/>
+        <pc:sldMkLst>
+          <pc:docMk/>
+          <pc:sldMk cId="0" sldId="265"/>
+        </pc:sldMkLst>
+        <pc:spChg chg="mod">
+          <ac:chgData name="shafi uzzaman" userId="b58d54d27cf4cadd" providerId="LiveId" clId="{9DB58862-F4CC-46B4-B797-732731873B46}" dt="2025-09-03T05:56:01.775" v="41" actId="20577"/>
+          <ac:spMkLst>
+            <pc:docMk/>
+            <pc:sldMk cId="0" sldId="265"/>
+            <ac:spMk id="2" creationId="{00000000-0000-0000-0000-000000000000}"/>
+          </ac:spMkLst>
+        </pc:spChg>
+        <pc:spChg chg="mod">
+          <ac:chgData name="shafi uzzaman" userId="b58d54d27cf4cadd" providerId="LiveId" clId="{9DB58862-F4CC-46B4-B797-732731873B46}" dt="2025-09-03T05:55:54.576" v="40" actId="20577"/>
+          <ac:spMkLst>
+            <pc:docMk/>
+            <pc:sldMk cId="0" sldId="265"/>
+            <ac:spMk id="7" creationId="{00000000-0000-0000-0000-000000000000}"/>
+          </ac:spMkLst>
+        </pc:spChg>
+      </pc:sldChg>
+    </pc:docChg>
+  </pc:docChgLst>
+</pc:chgInfo>
 </file>
 
 <file path=ppt/notesMasters/notesMaster1.xml><?xml version="1.0" encoding="utf-8"?>
@@ -328,90 +386,6 @@
             <a:fld id="{F7021451-1387-4CA6-816F-3879F97B5CBC}" type="slidenum">
               <a:rPr lang="en-US"/>
               <a:t>1</a:t>
-            </a:fld>
-            <a:endParaRPr lang="en-US"/>
-          </a:p>
-        </p:txBody>
-      </p:sp>
-    </p:spTree>
-    <p:extLst>
-      <p:ext uri="{BB962C8B-B14F-4D97-AF65-F5344CB8AC3E}">
-        <p14:creationId xmlns:p14="http://schemas.microsoft.com/office/powerpoint/2010/main" val="1024086991"/>
-      </p:ext>
-    </p:extLst>
-  </p:cSld>
-  <p:clrMapOvr>
-    <a:masterClrMapping/>
-  </p:clrMapOvr>
-</p:notes>
-</file>
-
-<file path=ppt/notesSlides/notesSlide10.xml><?xml version="1.0" encoding="utf-8"?>
-<p:notes xmlns:a="http://schemas.openxmlformats.org/drawingml/2006/main" xmlns:r="http://schemas.openxmlformats.org/officeDocument/2006/relationships" xmlns:p="http://schemas.openxmlformats.org/presentationml/2006/main">
-  <p:cSld>
-    <p:spTree>
-      <p:nvGrpSpPr>
-        <p:cNvPr id="1" name=""/>
-        <p:cNvGrpSpPr/>
-        <p:nvPr/>
-      </p:nvGrpSpPr>
-      <p:grpSpPr>
-        <a:xfrm>
-          <a:off x="0" y="0"/>
-          <a:ext cx="0" cy="0"/>
-          <a:chOff x="0" y="0"/>
-          <a:chExt cx="0" cy="0"/>
-        </a:xfrm>
-      </p:grpSpPr>
-      <p:sp>
-        <p:nvSpPr>
-          <p:cNvPr id="2" name="Slide Image Placeholder 1"/>
-          <p:cNvSpPr>
-            <a:spLocks noGrp="1" noRot="1" noChangeAspect="1"/>
-          </p:cNvSpPr>
-          <p:nvPr>
-            <p:ph type="sldImg"/>
-          </p:nvPr>
-        </p:nvSpPr>
-        <p:spPr/>
-      </p:sp>
-      <p:sp>
-        <p:nvSpPr>
-          <p:cNvPr id="3" name="Notes Placeholder 2"/>
-          <p:cNvSpPr>
-            <a:spLocks noGrp="1"/>
-          </p:cNvSpPr>
-          <p:nvPr>
-            <p:ph type="body" idx="1"/>
-          </p:nvPr>
-        </p:nvSpPr>
-        <p:spPr/>
-        <p:txBody>
-          <a:bodyPr/>
-          <a:lstStyle/>
-          <a:p>
-            <a:endParaRPr lang="en-US" dirty="0"/>
-          </a:p>
-        </p:txBody>
-      </p:sp>
-      <p:sp>
-        <p:nvSpPr>
-          <p:cNvPr id="4" name="Slide Number Placeholder 3"/>
-          <p:cNvSpPr>
-            <a:spLocks noGrp="1"/>
-          </p:cNvSpPr>
-          <p:nvPr>
-            <p:ph type="sldNum" sz="quarter" idx="10"/>
-          </p:nvPr>
-        </p:nvSpPr>
-        <p:spPr/>
-        <p:txBody>
-          <a:bodyPr/>
-          <a:lstStyle/>
-          <a:p>
-            <a:fld id="{F7021451-1387-4CA6-816F-3879F97B5CBC}" type="slidenum">
-              <a:rPr lang="en-US"/>
-              <a:t>10</a:t>
             </a:fld>
             <a:endParaRPr lang="en-US"/>
           </a:p>
@@ -2183,459 +2157,6 @@
 </p:sld>
 </file>
 
-<file path=ppt/slides/slide10.xml><?xml version="1.0" encoding="utf-8"?>
-<p:sld xmlns:a="http://schemas.openxmlformats.org/drawingml/2006/main" xmlns:r="http://schemas.openxmlformats.org/officeDocument/2006/relationships" xmlns:p="http://schemas.openxmlformats.org/presentationml/2006/main">
-  <p:cSld name="Slide 10">
-    <p:spTree>
-      <p:nvGrpSpPr>
-        <p:cNvPr id="1" name=""/>
-        <p:cNvGrpSpPr/>
-        <p:nvPr/>
-      </p:nvGrpSpPr>
-      <p:grpSpPr>
-        <a:xfrm>
-          <a:off x="0" y="0"/>
-          <a:ext cx="0" cy="0"/>
-          <a:chOff x="0" y="0"/>
-          <a:chExt cx="0" cy="0"/>
-        </a:xfrm>
-      </p:grpSpPr>
-      <p:sp>
-        <p:nvSpPr>
-          <p:cNvPr id="2" name="Text 0"/>
-          <p:cNvSpPr/>
-          <p:nvPr/>
-        </p:nvSpPr>
-        <p:spPr>
-          <a:xfrm>
-            <a:off x="691039" y="702588"/>
-            <a:ext cx="6238042" cy="616982"/>
-          </a:xfrm>
-          <a:prstGeom prst="rect">
-            <a:avLst/>
-          </a:prstGeom>
-          <a:noFill/>
-          <a:ln/>
-        </p:spPr>
-        <p:txBody>
-          <a:bodyPr wrap="none" lIns="0" tIns="0" rIns="0" bIns="0" rtlCol="0" anchor="t"/>
-          <a:lstStyle/>
-          <a:p>
-            <a:pPr marL="0" indent="0" algn="l">
-              <a:lnSpc>
-                <a:spcPts val="4850"/>
-              </a:lnSpc>
-              <a:buNone/>
-            </a:pPr>
-            <a:r>
-              <a:rPr lang="en-US" sz="3850" b="1" dirty="0">
-                <a:solidFill>
-                  <a:srgbClr val="233939"/>
-                </a:solidFill>
-                <a:latin typeface="Syne Bold" pitchFamily="34" charset="0"/>
-                <a:ea typeface="Syne Bold" pitchFamily="34" charset="-122"/>
-                <a:cs typeface="Syne Bold" pitchFamily="34" charset="-120"/>
-              </a:rPr>
-              <a:t>Summary &amp; Next Steps</a:t>
-            </a:r>
-            <a:endParaRPr lang="en-US" sz="3850" dirty="0"/>
-          </a:p>
-        </p:txBody>
-      </p:sp>
-      <p:sp>
-        <p:nvSpPr>
-          <p:cNvPr id="3" name="Text 1"/>
-          <p:cNvSpPr/>
-          <p:nvPr/>
-        </p:nvSpPr>
-        <p:spPr>
-          <a:xfrm>
-            <a:off x="987147" y="2010608"/>
-            <a:ext cx="12952214" cy="987266"/>
-          </a:xfrm>
-          <a:prstGeom prst="rect">
-            <a:avLst/>
-          </a:prstGeom>
-          <a:noFill/>
-          <a:ln/>
-        </p:spPr>
-        <p:txBody>
-          <a:bodyPr wrap="square" lIns="0" tIns="0" rIns="0" bIns="0" rtlCol="0" anchor="t"/>
-          <a:lstStyle/>
-          <a:p>
-            <a:pPr marL="0" indent="0" algn="ctr">
-              <a:lnSpc>
-                <a:spcPts val="3850"/>
-              </a:lnSpc>
-              <a:buNone/>
-            </a:pPr>
-            <a:r>
-              <a:rPr lang="en-US" sz="3100" b="1" dirty="0">
-                <a:solidFill>
-                  <a:srgbClr val="224435"/>
-                </a:solidFill>
-                <a:latin typeface="Syne Bold" pitchFamily="34" charset="0"/>
-                <a:ea typeface="Syne Bold" pitchFamily="34" charset="-122"/>
-                <a:cs typeface="Syne Bold" pitchFamily="34" charset="-120"/>
-              </a:rPr>
-              <a:t>Search algorithms are the scaffolding upon which much of AI problem-solving is built.</a:t>
-            </a:r>
-            <a:endParaRPr lang="en-US" sz="3100" dirty="0"/>
-          </a:p>
-        </p:txBody>
-      </p:sp>
-      <p:sp>
-        <p:nvSpPr>
-          <p:cNvPr id="4" name="Shape 2"/>
-          <p:cNvSpPr/>
-          <p:nvPr/>
-        </p:nvSpPr>
-        <p:spPr>
-          <a:xfrm>
-            <a:off x="691039" y="1714500"/>
-            <a:ext cx="22860" cy="1579483"/>
-          </a:xfrm>
-          <a:prstGeom prst="rect">
-            <a:avLst/>
-          </a:prstGeom>
-          <a:solidFill>
-            <a:srgbClr val="224435"/>
-          </a:solidFill>
-          <a:ln/>
-        </p:spPr>
-        <p:txBody>
-          <a:bodyPr/>
-          <a:lstStyle/>
-          <a:p>
-            <a:endParaRPr lang="en-US"/>
-          </a:p>
-        </p:txBody>
-      </p:sp>
-      <p:sp>
-        <p:nvSpPr>
-          <p:cNvPr id="5" name="Text 3"/>
-          <p:cNvSpPr/>
-          <p:nvPr/>
-        </p:nvSpPr>
-        <p:spPr>
-          <a:xfrm>
-            <a:off x="691039" y="3516035"/>
-            <a:ext cx="13248323" cy="631984"/>
-          </a:xfrm>
-          <a:prstGeom prst="rect">
-            <a:avLst/>
-          </a:prstGeom>
-          <a:noFill/>
-          <a:ln/>
-        </p:spPr>
-        <p:txBody>
-          <a:bodyPr wrap="square" lIns="0" tIns="0" rIns="0" bIns="0" rtlCol="0" anchor="t"/>
-          <a:lstStyle/>
-          <a:p>
-            <a:pPr marL="0" indent="0" algn="l">
-              <a:lnSpc>
-                <a:spcPts val="2450"/>
-              </a:lnSpc>
-              <a:buNone/>
-            </a:pPr>
-            <a:r>
-              <a:rPr lang="en-US" sz="1550" dirty="0">
-                <a:solidFill>
-                  <a:srgbClr val="3B4E4E"/>
-                </a:solidFill>
-                <a:latin typeface="Overpass Light" pitchFamily="34" charset="0"/>
-                <a:ea typeface="Overpass Light" pitchFamily="34" charset="-122"/>
-                <a:cs typeface="Overpass Light" pitchFamily="34" charset="-120"/>
-              </a:rPr>
-              <a:t>By understanding how to formulate problems, select the right algorithm, and apply effective heuristics, you gain powerful tools for building intelligent systems.</a:t>
-            </a:r>
-            <a:endParaRPr lang="en-US" sz="1550" dirty="0"/>
-          </a:p>
-        </p:txBody>
-      </p:sp>
-      <p:sp>
-        <p:nvSpPr>
-          <p:cNvPr id="6" name="Shape 4"/>
-          <p:cNvSpPr/>
-          <p:nvPr/>
-        </p:nvSpPr>
-        <p:spPr>
-          <a:xfrm>
-            <a:off x="691039" y="4468730"/>
-            <a:ext cx="13248323" cy="32266"/>
-          </a:xfrm>
-          <a:prstGeom prst="rect">
-            <a:avLst/>
-          </a:prstGeom>
-          <a:solidFill>
-            <a:srgbClr val="3B4E4E">
-              <a:alpha val="50000"/>
-            </a:srgbClr>
-          </a:solidFill>
-          <a:ln/>
-        </p:spPr>
-        <p:txBody>
-          <a:bodyPr/>
-          <a:lstStyle/>
-          <a:p>
-            <a:endParaRPr lang="en-US"/>
-          </a:p>
-        </p:txBody>
-      </p:sp>
-      <p:sp>
-        <p:nvSpPr>
-          <p:cNvPr id="7" name="Text 5"/>
-          <p:cNvSpPr/>
-          <p:nvPr/>
-        </p:nvSpPr>
-        <p:spPr>
-          <a:xfrm>
-            <a:off x="691039" y="4797028"/>
-            <a:ext cx="5252204" cy="493633"/>
-          </a:xfrm>
-          <a:prstGeom prst="rect">
-            <a:avLst/>
-          </a:prstGeom>
-          <a:noFill/>
-          <a:ln/>
-        </p:spPr>
-        <p:txBody>
-          <a:bodyPr wrap="none" lIns="0" tIns="0" rIns="0" bIns="0" rtlCol="0" anchor="t"/>
-          <a:lstStyle/>
-          <a:p>
-            <a:pPr marL="0" indent="0" algn="l">
-              <a:lnSpc>
-                <a:spcPts val="3850"/>
-              </a:lnSpc>
-              <a:buNone/>
-            </a:pPr>
-            <a:r>
-              <a:rPr lang="en-US" sz="3100" b="1" dirty="0">
-                <a:solidFill>
-                  <a:srgbClr val="233939"/>
-                </a:solidFill>
-                <a:latin typeface="Syne Bold" pitchFamily="34" charset="0"/>
-                <a:ea typeface="Syne Bold" pitchFamily="34" charset="-122"/>
-                <a:cs typeface="Syne Bold" pitchFamily="34" charset="-120"/>
-              </a:rPr>
-              <a:t>Your Journey Continues:</a:t>
-            </a:r>
-            <a:endParaRPr lang="en-US" sz="3100" dirty="0"/>
-          </a:p>
-        </p:txBody>
-      </p:sp>
-      <p:sp>
-        <p:nvSpPr>
-          <p:cNvPr id="8" name="Text 6"/>
-          <p:cNvSpPr/>
-          <p:nvPr/>
-        </p:nvSpPr>
-        <p:spPr>
-          <a:xfrm>
-            <a:off x="691039" y="5586770"/>
-            <a:ext cx="13248323" cy="315992"/>
-          </a:xfrm>
-          <a:prstGeom prst="rect">
-            <a:avLst/>
-          </a:prstGeom>
-          <a:noFill/>
-          <a:ln/>
-        </p:spPr>
-        <p:txBody>
-          <a:bodyPr wrap="none" lIns="0" tIns="0" rIns="0" bIns="0" rtlCol="0" anchor="t"/>
-          <a:lstStyle/>
-          <a:p>
-            <a:pPr marL="342900" indent="-342900" algn="l">
-              <a:lnSpc>
-                <a:spcPts val="2450"/>
-              </a:lnSpc>
-              <a:buSzPct val="100000"/>
-              <a:buChar char="•"/>
-            </a:pPr>
-            <a:r>
-              <a:rPr lang="en-US" sz="1550" b="1" dirty="0">
-                <a:solidFill>
-                  <a:srgbClr val="3B4E4E"/>
-                </a:solidFill>
-                <a:latin typeface="Overpass Light" pitchFamily="34" charset="0"/>
-                <a:ea typeface="Overpass Light" pitchFamily="34" charset="-122"/>
-                <a:cs typeface="Overpass Light" pitchFamily="34" charset="-120"/>
-              </a:rPr>
-              <a:t>Practice Coding:</a:t>
-            </a:r>
-            <a:r>
-              <a:rPr lang="en-US" sz="1550" dirty="0">
-                <a:solidFill>
-                  <a:srgbClr val="3B4E4E"/>
-                </a:solidFill>
-                <a:latin typeface="Overpass Light" pitchFamily="34" charset="0"/>
-                <a:ea typeface="Overpass Light" pitchFamily="34" charset="-122"/>
-                <a:cs typeface="Overpass Light" pitchFamily="34" charset="-120"/>
-              </a:rPr>
-              <a:t> Implement classic algorithms (BFS, DFS, A*) from scratch in Python.</a:t>
-            </a:r>
-            <a:endParaRPr lang="en-US" sz="1550" dirty="0"/>
-          </a:p>
-        </p:txBody>
-      </p:sp>
-      <p:sp>
-        <p:nvSpPr>
-          <p:cNvPr id="9" name="Text 7"/>
-          <p:cNvSpPr/>
-          <p:nvPr/>
-        </p:nvSpPr>
-        <p:spPr>
-          <a:xfrm>
-            <a:off x="691039" y="5971818"/>
-            <a:ext cx="13248323" cy="315992"/>
-          </a:xfrm>
-          <a:prstGeom prst="rect">
-            <a:avLst/>
-          </a:prstGeom>
-          <a:noFill/>
-          <a:ln/>
-        </p:spPr>
-        <p:txBody>
-          <a:bodyPr wrap="none" lIns="0" tIns="0" rIns="0" bIns="0" rtlCol="0" anchor="t"/>
-          <a:lstStyle/>
-          <a:p>
-            <a:pPr marL="342900" indent="-342900" algn="l">
-              <a:lnSpc>
-                <a:spcPts val="2450"/>
-              </a:lnSpc>
-              <a:buSzPct val="100000"/>
-              <a:buChar char="•"/>
-            </a:pPr>
-            <a:r>
-              <a:rPr lang="en-US" sz="1550" b="1" dirty="0">
-                <a:solidFill>
-                  <a:srgbClr val="3B4E4E"/>
-                </a:solidFill>
-                <a:latin typeface="Overpass Light" pitchFamily="34" charset="0"/>
-                <a:ea typeface="Overpass Light" pitchFamily="34" charset="-122"/>
-                <a:cs typeface="Overpass Light" pitchFamily="34" charset="-120"/>
-              </a:rPr>
-              <a:t>Experiment with Heuristics:</a:t>
-            </a:r>
-            <a:r>
-              <a:rPr lang="en-US" sz="1550" dirty="0">
-                <a:solidFill>
-                  <a:srgbClr val="3B4E4E"/>
-                </a:solidFill>
-                <a:latin typeface="Overpass Light" pitchFamily="34" charset="0"/>
-                <a:ea typeface="Overpass Light" pitchFamily="34" charset="-122"/>
-                <a:cs typeface="Overpass Light" pitchFamily="34" charset="-120"/>
-              </a:rPr>
-              <a:t> Explore how different heuristic functions impact the performance and optimality of informed search.</a:t>
-            </a:r>
-            <a:endParaRPr lang="en-US" sz="1550" dirty="0"/>
-          </a:p>
-        </p:txBody>
-      </p:sp>
-      <p:sp>
-        <p:nvSpPr>
-          <p:cNvPr id="10" name="Text 8"/>
-          <p:cNvSpPr/>
-          <p:nvPr/>
-        </p:nvSpPr>
-        <p:spPr>
-          <a:xfrm>
-            <a:off x="691039" y="6356866"/>
-            <a:ext cx="13248323" cy="631984"/>
-          </a:xfrm>
-          <a:prstGeom prst="rect">
-            <a:avLst/>
-          </a:prstGeom>
-          <a:noFill/>
-          <a:ln/>
-        </p:spPr>
-        <p:txBody>
-          <a:bodyPr wrap="square" lIns="0" tIns="0" rIns="0" bIns="0" rtlCol="0" anchor="t"/>
-          <a:lstStyle/>
-          <a:p>
-            <a:pPr marL="342900" indent="-342900" algn="l">
-              <a:lnSpc>
-                <a:spcPts val="2450"/>
-              </a:lnSpc>
-              <a:buSzPct val="100000"/>
-              <a:buChar char="•"/>
-            </a:pPr>
-            <a:r>
-              <a:rPr lang="en-US" sz="1550" b="1" dirty="0">
-                <a:solidFill>
-                  <a:srgbClr val="3B4E4E"/>
-                </a:solidFill>
-                <a:latin typeface="Overpass Light" pitchFamily="34" charset="0"/>
-                <a:ea typeface="Overpass Light" pitchFamily="34" charset="-122"/>
-                <a:cs typeface="Overpass Light" pitchFamily="34" charset="-120"/>
-              </a:rPr>
-              <a:t>Dive Deeper:</a:t>
-            </a:r>
-            <a:r>
-              <a:rPr lang="en-US" sz="1550" dirty="0">
-                <a:solidFill>
-                  <a:srgbClr val="3B4E4E"/>
-                </a:solidFill>
-                <a:latin typeface="Overpass Light" pitchFamily="34" charset="0"/>
-                <a:ea typeface="Overpass Light" pitchFamily="34" charset="-122"/>
-                <a:cs typeface="Overpass Light" pitchFamily="34" charset="-120"/>
-              </a:rPr>
-              <a:t> Research advanced topics like Monte Carlo Tree Search for complex games, or the integration of search with machine learning for hybrid AI systems.</a:t>
-            </a:r>
-            <a:endParaRPr lang="en-US" sz="1550" dirty="0"/>
-          </a:p>
-        </p:txBody>
-      </p:sp>
-      <p:sp>
-        <p:nvSpPr>
-          <p:cNvPr id="11" name="Text 9"/>
-          <p:cNvSpPr/>
-          <p:nvPr/>
-        </p:nvSpPr>
-        <p:spPr>
-          <a:xfrm>
-            <a:off x="691039" y="7210901"/>
-            <a:ext cx="13248323" cy="315992"/>
-          </a:xfrm>
-          <a:prstGeom prst="rect">
-            <a:avLst/>
-          </a:prstGeom>
-          <a:noFill/>
-          <a:ln/>
-        </p:spPr>
-        <p:txBody>
-          <a:bodyPr wrap="none" lIns="0" tIns="0" rIns="0" bIns="0" rtlCol="0" anchor="t"/>
-          <a:lstStyle/>
-          <a:p>
-            <a:pPr marL="0" indent="0" algn="l">
-              <a:lnSpc>
-                <a:spcPts val="2450"/>
-              </a:lnSpc>
-              <a:buNone/>
-            </a:pPr>
-            <a:r>
-              <a:rPr lang="en-US" sz="1550" dirty="0">
-                <a:solidFill>
-                  <a:srgbClr val="3B4E4E"/>
-                </a:solidFill>
-                <a:latin typeface="Overpass Light" pitchFamily="34" charset="0"/>
-                <a:ea typeface="Overpass Light" pitchFamily="34" charset="-122"/>
-                <a:cs typeface="Overpass Light" pitchFamily="34" charset="-120"/>
-              </a:rPr>
-              <a:t>Are you ready to use Python to build intelligent systems that can navigate and solve the world's most challenging problems? Let's continue to explore!</a:t>
-            </a:r>
-            <a:endParaRPr lang="en-US" sz="1550" dirty="0"/>
-          </a:p>
-        </p:txBody>
-      </p:sp>
-    </p:spTree>
-  </p:cSld>
-  <p:clrMapOvr>
-    <a:masterClrMapping/>
-  </p:clrMapOvr>
-</p:sld>
-</file>
-
 <file path=ppt/slides/slide2.xml><?xml version="1.0" encoding="utf-8"?>
 <p:sld xmlns:a="http://schemas.openxmlformats.org/drawingml/2006/main" xmlns:r="http://schemas.openxmlformats.org/officeDocument/2006/relationships" xmlns:p="http://schemas.openxmlformats.org/presentationml/2006/main">
   <p:cSld name="Slide 2">
@@ -5242,7 +4763,29 @@
                 <a:ea typeface="Overpass Light" pitchFamily="34" charset="-122"/>
                 <a:cs typeface="Overpass Light" pitchFamily="34" charset="-120"/>
               </a:rPr>
-              <a:t>Explores all nodes at the current depth level before moving to the next level. Guarantees finding the shortest path in terms of number of steps, but can consume significant memory for large graphs.</a:t>
+              <a:t>Explores all nodes at the current depth level before moving to the next level. Guarantees finding the shortest path in terms of number </a:t>
+            </a:r>
+            <a:r>
+              <a:rPr lang="en-US" sz="1750">
+                <a:solidFill>
+                  <a:srgbClr val="3B4E4E"/>
+                </a:solidFill>
+                <a:latin typeface="Overpass Light" pitchFamily="34" charset="0"/>
+                <a:ea typeface="Overpass Light" pitchFamily="34" charset="-122"/>
+                <a:cs typeface="Overpass Light" pitchFamily="34" charset="-120"/>
+              </a:rPr>
+              <a:t>of steps </a:t>
+            </a:r>
+            <a:r>
+              <a:rPr lang="en-US" sz="1750" dirty="0">
+                <a:solidFill>
+                  <a:srgbClr val="3B4E4E"/>
+                </a:solidFill>
+                <a:latin typeface="Overpass Light" pitchFamily="34" charset="0"/>
+                <a:ea typeface="Overpass Light" pitchFamily="34" charset="-122"/>
+                <a:cs typeface="Overpass Light" pitchFamily="34" charset="-120"/>
+              </a:rPr>
+              <a:t>but can consume significant memory for large graphs.</a:t>
             </a:r>
             <a:endParaRPr lang="en-US" sz="1750" dirty="0"/>
           </a:p>
@@ -6746,7 +6289,7 @@
 
 <file path=ppt/slides/slide9.xml><?xml version="1.0" encoding="utf-8"?>
 <p:sld xmlns:a="http://schemas.openxmlformats.org/drawingml/2006/main" xmlns:r="http://schemas.openxmlformats.org/officeDocument/2006/relationships" xmlns:p="http://schemas.openxmlformats.org/presentationml/2006/main">
-  <p:cSld name="Slide 9">
+  <p:cSld name="Slide 10">
     <p:spTree>
       <p:nvGrpSpPr>
         <p:cNvPr id="1" name=""/>
@@ -6769,8 +6312,8 @@
         </p:nvSpPr>
         <p:spPr>
           <a:xfrm>
-            <a:off x="793790" y="1218724"/>
-            <a:ext cx="11973997" cy="708779"/>
+            <a:off x="691039" y="702588"/>
+            <a:ext cx="6238042" cy="616982"/>
           </a:xfrm>
           <a:prstGeom prst="rect">
             <a:avLst/>
@@ -6784,12 +6327,12 @@
           <a:p>
             <a:pPr marL="0" indent="0" algn="l">
               <a:lnSpc>
-                <a:spcPts val="5550"/>
+                <a:spcPts val="4850"/>
               </a:lnSpc>
               <a:buNone/>
             </a:pPr>
             <a:r>
-              <a:rPr lang="en-US" sz="4450" b="1" dirty="0">
+              <a:rPr lang="en-US" sz="3850" b="1" dirty="0">
                 <a:solidFill>
                   <a:srgbClr val="233939"/>
                 </a:solidFill>
@@ -6797,9 +6340,9 @@
                 <a:ea typeface="Syne Bold" pitchFamily="34" charset="-122"/>
                 <a:cs typeface="Syne Bold" pitchFamily="34" charset="-120"/>
               </a:rPr>
-              <a:t>Challenges &amp; Optimization Techniques</a:t>
-            </a:r>
-            <a:endParaRPr lang="en-US" sz="4450" dirty="0"/>
+              <a:t>Next Steps</a:t>
+            </a:r>
+            <a:endParaRPr lang="en-US" sz="3850" dirty="0"/>
           </a:p>
         </p:txBody>
       </p:sp>
@@ -6811,8 +6354,8 @@
         </p:nvSpPr>
         <p:spPr>
           <a:xfrm>
-            <a:off x="793790" y="2381131"/>
-            <a:ext cx="13042821" cy="362903"/>
+            <a:off x="987147" y="2010608"/>
+            <a:ext cx="12952214" cy="987266"/>
           </a:xfrm>
           <a:prstGeom prst="rect">
             <a:avLst/>
@@ -6821,27 +6364,27 @@
           <a:ln/>
         </p:spPr>
         <p:txBody>
-          <a:bodyPr wrap="none" lIns="0" tIns="0" rIns="0" bIns="0" rtlCol="0" anchor="t"/>
-          <a:lstStyle/>
-          <a:p>
-            <a:pPr marL="0" indent="0" algn="l">
+          <a:bodyPr wrap="square" lIns="0" tIns="0" rIns="0" bIns="0" rtlCol="0" anchor="t"/>
+          <a:lstStyle/>
+          <a:p>
+            <a:pPr marL="0" indent="0" algn="ctr">
               <a:lnSpc>
-                <a:spcPts val="2850"/>
+                <a:spcPts val="3850"/>
               </a:lnSpc>
               <a:buNone/>
             </a:pPr>
             <a:r>
-              <a:rPr lang="en-US" sz="1750" dirty="0">
-                <a:solidFill>
-                  <a:srgbClr val="3B4E4E"/>
-                </a:solidFill>
-                <a:latin typeface="Overpass Light" pitchFamily="34" charset="0"/>
-                <a:ea typeface="Overpass Light" pitchFamily="34" charset="-122"/>
-                <a:cs typeface="Overpass Light" pitchFamily="34" charset="-120"/>
-              </a:rPr>
-              <a:t>While powerful, search algorithms face challenges that require clever optimization:</a:t>
-            </a:r>
-            <a:endParaRPr lang="en-US" sz="1750" dirty="0"/>
+              <a:rPr lang="en-US" sz="3100" b="1" dirty="0">
+                <a:solidFill>
+                  <a:srgbClr val="224435"/>
+                </a:solidFill>
+                <a:latin typeface="Syne Bold" pitchFamily="34" charset="0"/>
+                <a:ea typeface="Syne Bold" pitchFamily="34" charset="-122"/>
+                <a:cs typeface="Syne Bold" pitchFamily="34" charset="-120"/>
+              </a:rPr>
+              <a:t>Search algorithms are the scaffolding upon which much of AI problem-solving is built.</a:t>
+            </a:r>
+            <a:endParaRPr lang="en-US" sz="3100" dirty="0"/>
           </a:p>
         </p:txBody>
       </p:sp>
@@ -6853,13 +6396,11 @@
         </p:nvSpPr>
         <p:spPr>
           <a:xfrm>
-            <a:off x="793790" y="3119676"/>
-            <a:ext cx="113348" cy="113348"/>
-          </a:xfrm>
-          <a:prstGeom prst="roundRect">
-            <a:avLst>
-              <a:gd name="adj" fmla="val 403360"/>
-            </a:avLst>
+            <a:off x="691039" y="1714500"/>
+            <a:ext cx="22860" cy="1579483"/>
+          </a:xfrm>
+          <a:prstGeom prst="rect">
+            <a:avLst/>
           </a:prstGeom>
           <a:solidFill>
             <a:srgbClr val="224435"/>
@@ -6882,8 +6423,8 @@
         </p:nvSpPr>
         <p:spPr>
           <a:xfrm>
-            <a:off x="1133951" y="2999184"/>
-            <a:ext cx="3818453" cy="708660"/>
+            <a:off x="691039" y="3516035"/>
+            <a:ext cx="13248323" cy="631984"/>
           </a:xfrm>
           <a:prstGeom prst="rect">
             <a:avLst/>
@@ -6897,35 +6438,106 @@
           <a:p>
             <a:pPr marL="0" indent="0" algn="l">
               <a:lnSpc>
-                <a:spcPts val="2750"/>
+                <a:spcPts val="2450"/>
               </a:lnSpc>
               <a:buNone/>
             </a:pPr>
             <a:r>
-              <a:rPr lang="en-US" sz="2200" b="1" dirty="0">
-                <a:solidFill>
-                  <a:srgbClr val="3B4E4E"/>
+              <a:rPr lang="en-US" sz="1550" dirty="0">
+                <a:solidFill>
+                  <a:srgbClr val="3B4E4E"/>
+                </a:solidFill>
+                <a:latin typeface="Overpass Light" pitchFamily="34" charset="0"/>
+                <a:ea typeface="Overpass Light" pitchFamily="34" charset="-122"/>
+                <a:cs typeface="Overpass Light" pitchFamily="34" charset="-120"/>
+              </a:rPr>
+              <a:t>By understanding how to formulate problems, select the right algorithm, and apply effective heuristics, you gain powerful tools for building intelligent systems.</a:t>
+            </a:r>
+            <a:endParaRPr lang="en-US" sz="1550" dirty="0"/>
+          </a:p>
+        </p:txBody>
+      </p:sp>
+      <p:sp>
+        <p:nvSpPr>
+          <p:cNvPr id="6" name="Shape 4"/>
+          <p:cNvSpPr/>
+          <p:nvPr/>
+        </p:nvSpPr>
+        <p:spPr>
+          <a:xfrm>
+            <a:off x="691039" y="4468730"/>
+            <a:ext cx="13248323" cy="32266"/>
+          </a:xfrm>
+          <a:prstGeom prst="rect">
+            <a:avLst/>
+          </a:prstGeom>
+          <a:solidFill>
+            <a:srgbClr val="3B4E4E">
+              <a:alpha val="50000"/>
+            </a:srgbClr>
+          </a:solidFill>
+          <a:ln/>
+        </p:spPr>
+        <p:txBody>
+          <a:bodyPr/>
+          <a:lstStyle/>
+          <a:p>
+            <a:endParaRPr lang="en-US"/>
+          </a:p>
+        </p:txBody>
+      </p:sp>
+      <p:sp>
+        <p:nvSpPr>
+          <p:cNvPr id="7" name="Text 5"/>
+          <p:cNvSpPr/>
+          <p:nvPr/>
+        </p:nvSpPr>
+        <p:spPr>
+          <a:xfrm>
+            <a:off x="691039" y="4797028"/>
+            <a:ext cx="5252204" cy="493633"/>
+          </a:xfrm>
+          <a:prstGeom prst="rect">
+            <a:avLst/>
+          </a:prstGeom>
+          <a:noFill/>
+          <a:ln/>
+        </p:spPr>
+        <p:txBody>
+          <a:bodyPr wrap="none" lIns="0" tIns="0" rIns="0" bIns="0" rtlCol="0" anchor="t"/>
+          <a:lstStyle/>
+          <a:p>
+            <a:pPr marL="0" indent="0" algn="l">
+              <a:lnSpc>
+                <a:spcPts val="3850"/>
+              </a:lnSpc>
+              <a:buNone/>
+            </a:pPr>
+            <a:r>
+              <a:rPr lang="en-US" sz="3100" b="1" dirty="0">
+                <a:solidFill>
+                  <a:srgbClr val="233939"/>
                 </a:solidFill>
                 <a:latin typeface="Syne Bold" pitchFamily="34" charset="0"/>
                 <a:ea typeface="Syne Bold" pitchFamily="34" charset="-122"/>
                 <a:cs typeface="Syne Bold" pitchFamily="34" charset="-120"/>
               </a:rPr>
-              <a:t>Avoiding Repeated States</a:t>
-            </a:r>
-            <a:endParaRPr lang="en-US" sz="2200" dirty="0"/>
-          </a:p>
-        </p:txBody>
-      </p:sp>
-      <p:sp>
-        <p:nvSpPr>
-          <p:cNvPr id="6" name="Text 4"/>
-          <p:cNvSpPr/>
-          <p:nvPr/>
-        </p:nvSpPr>
-        <p:spPr>
-          <a:xfrm>
-            <a:off x="1133951" y="3843933"/>
-            <a:ext cx="3818453" cy="1814513"/>
+              <a:t>What can I do Next:</a:t>
+            </a:r>
+            <a:endParaRPr lang="en-US" sz="3100" dirty="0"/>
+          </a:p>
+        </p:txBody>
+      </p:sp>
+      <p:sp>
+        <p:nvSpPr>
+          <p:cNvPr id="8" name="Text 6"/>
+          <p:cNvSpPr/>
+          <p:nvPr/>
+        </p:nvSpPr>
+        <p:spPr>
+          <a:xfrm>
+            <a:off x="691039" y="5586770"/>
+            <a:ext cx="13248323" cy="315992"/>
           </a:xfrm>
           <a:prstGeom prst="rect">
             <a:avLst/>
@@ -6934,361 +6546,189 @@
           <a:ln/>
         </p:spPr>
         <p:txBody>
+          <a:bodyPr wrap="none" lIns="0" tIns="0" rIns="0" bIns="0" rtlCol="0" anchor="t"/>
+          <a:lstStyle/>
+          <a:p>
+            <a:pPr marL="342900" indent="-342900" algn="l">
+              <a:lnSpc>
+                <a:spcPts val="2450"/>
+              </a:lnSpc>
+              <a:buSzPct val="100000"/>
+              <a:buChar char="•"/>
+            </a:pPr>
+            <a:r>
+              <a:rPr lang="en-US" sz="1550" b="1" dirty="0">
+                <a:solidFill>
+                  <a:srgbClr val="3B4E4E"/>
+                </a:solidFill>
+                <a:latin typeface="Overpass Light" pitchFamily="34" charset="0"/>
+                <a:ea typeface="Overpass Light" pitchFamily="34" charset="-122"/>
+                <a:cs typeface="Overpass Light" pitchFamily="34" charset="-120"/>
+              </a:rPr>
+              <a:t>Practice Coding:</a:t>
+            </a:r>
+            <a:r>
+              <a:rPr lang="en-US" sz="1550" dirty="0">
+                <a:solidFill>
+                  <a:srgbClr val="3B4E4E"/>
+                </a:solidFill>
+                <a:latin typeface="Overpass Light" pitchFamily="34" charset="0"/>
+                <a:ea typeface="Overpass Light" pitchFamily="34" charset="-122"/>
+                <a:cs typeface="Overpass Light" pitchFamily="34" charset="-120"/>
+              </a:rPr>
+              <a:t> Implement classic algorithms (BFS, DFS, A*) from scratch in Python.</a:t>
+            </a:r>
+            <a:endParaRPr lang="en-US" sz="1550" dirty="0"/>
+          </a:p>
+        </p:txBody>
+      </p:sp>
+      <p:sp>
+        <p:nvSpPr>
+          <p:cNvPr id="9" name="Text 7"/>
+          <p:cNvSpPr/>
+          <p:nvPr/>
+        </p:nvSpPr>
+        <p:spPr>
+          <a:xfrm>
+            <a:off x="691039" y="5971818"/>
+            <a:ext cx="13248323" cy="315992"/>
+          </a:xfrm>
+          <a:prstGeom prst="rect">
+            <a:avLst/>
+          </a:prstGeom>
+          <a:noFill/>
+          <a:ln/>
+        </p:spPr>
+        <p:txBody>
+          <a:bodyPr wrap="none" lIns="0" tIns="0" rIns="0" bIns="0" rtlCol="0" anchor="t"/>
+          <a:lstStyle/>
+          <a:p>
+            <a:pPr marL="342900" indent="-342900" algn="l">
+              <a:lnSpc>
+                <a:spcPts val="2450"/>
+              </a:lnSpc>
+              <a:buSzPct val="100000"/>
+              <a:buChar char="•"/>
+            </a:pPr>
+            <a:r>
+              <a:rPr lang="en-US" sz="1550" b="1" dirty="0">
+                <a:solidFill>
+                  <a:srgbClr val="3B4E4E"/>
+                </a:solidFill>
+                <a:latin typeface="Overpass Light" pitchFamily="34" charset="0"/>
+                <a:ea typeface="Overpass Light" pitchFamily="34" charset="-122"/>
+                <a:cs typeface="Overpass Light" pitchFamily="34" charset="-120"/>
+              </a:rPr>
+              <a:t>Experiment with Heuristics:</a:t>
+            </a:r>
+            <a:r>
+              <a:rPr lang="en-US" sz="1550" dirty="0">
+                <a:solidFill>
+                  <a:srgbClr val="3B4E4E"/>
+                </a:solidFill>
+                <a:latin typeface="Overpass Light" pitchFamily="34" charset="0"/>
+                <a:ea typeface="Overpass Light" pitchFamily="34" charset="-122"/>
+                <a:cs typeface="Overpass Light" pitchFamily="34" charset="-120"/>
+              </a:rPr>
+              <a:t> Explore how different heuristic functions impact the performance and optimality of informed search.</a:t>
+            </a:r>
+            <a:endParaRPr lang="en-US" sz="1550" dirty="0"/>
+          </a:p>
+        </p:txBody>
+      </p:sp>
+      <p:sp>
+        <p:nvSpPr>
+          <p:cNvPr id="10" name="Text 8"/>
+          <p:cNvSpPr/>
+          <p:nvPr/>
+        </p:nvSpPr>
+        <p:spPr>
+          <a:xfrm>
+            <a:off x="691039" y="6356866"/>
+            <a:ext cx="13248323" cy="631984"/>
+          </a:xfrm>
+          <a:prstGeom prst="rect">
+            <a:avLst/>
+          </a:prstGeom>
+          <a:noFill/>
+          <a:ln/>
+        </p:spPr>
+        <p:txBody>
           <a:bodyPr wrap="square" lIns="0" tIns="0" rIns="0" bIns="0" rtlCol="0" anchor="t"/>
+          <a:lstStyle/>
+          <a:p>
+            <a:pPr marL="342900" indent="-342900" algn="l">
+              <a:lnSpc>
+                <a:spcPts val="2450"/>
+              </a:lnSpc>
+              <a:buSzPct val="100000"/>
+              <a:buChar char="•"/>
+            </a:pPr>
+            <a:r>
+              <a:rPr lang="en-US" sz="1550" b="1" dirty="0">
+                <a:solidFill>
+                  <a:srgbClr val="3B4E4E"/>
+                </a:solidFill>
+                <a:latin typeface="Overpass Light" pitchFamily="34" charset="0"/>
+                <a:ea typeface="Overpass Light" pitchFamily="34" charset="-122"/>
+                <a:cs typeface="Overpass Light" pitchFamily="34" charset="-120"/>
+              </a:rPr>
+              <a:t>Dive Deeper:</a:t>
+            </a:r>
+            <a:r>
+              <a:rPr lang="en-US" sz="1550" dirty="0">
+                <a:solidFill>
+                  <a:srgbClr val="3B4E4E"/>
+                </a:solidFill>
+                <a:latin typeface="Overpass Light" pitchFamily="34" charset="0"/>
+                <a:ea typeface="Overpass Light" pitchFamily="34" charset="-122"/>
+                <a:cs typeface="Overpass Light" pitchFamily="34" charset="-120"/>
+              </a:rPr>
+              <a:t> Research advanced topics like Monte Carlo Tree Search for complex games, or the integration of search with machine learning for hybrid AI systems.</a:t>
+            </a:r>
+            <a:endParaRPr lang="en-US" sz="1550" dirty="0"/>
+          </a:p>
+        </p:txBody>
+      </p:sp>
+      <p:sp>
+        <p:nvSpPr>
+          <p:cNvPr id="11" name="Text 9"/>
+          <p:cNvSpPr/>
+          <p:nvPr/>
+        </p:nvSpPr>
+        <p:spPr>
+          <a:xfrm>
+            <a:off x="691039" y="7210901"/>
+            <a:ext cx="13248323" cy="315992"/>
+          </a:xfrm>
+          <a:prstGeom prst="rect">
+            <a:avLst/>
+          </a:prstGeom>
+          <a:noFill/>
+          <a:ln/>
+        </p:spPr>
+        <p:txBody>
+          <a:bodyPr wrap="none" lIns="0" tIns="0" rIns="0" bIns="0" rtlCol="0" anchor="t"/>
           <a:lstStyle/>
           <a:p>
             <a:pPr marL="0" indent="0" algn="l">
               <a:lnSpc>
-                <a:spcPts val="2850"/>
+                <a:spcPts val="2450"/>
               </a:lnSpc>
               <a:buNone/>
             </a:pPr>
             <a:r>
-              <a:rPr lang="en-US" sz="1750" dirty="0">
-                <a:solidFill>
-                  <a:srgbClr val="3B4E4E"/>
-                </a:solidFill>
-                <a:latin typeface="Overpass Light" pitchFamily="34" charset="0"/>
-                <a:ea typeface="Overpass Light" pitchFamily="34" charset="-122"/>
-                <a:cs typeface="Overpass Light" pitchFamily="34" charset="-120"/>
-              </a:rPr>
-              <a:t>Using an "explored set" or "visited set" (typically a hash set) to store already visited states prevents redundant computations and infinite loops, crucial for graphs with cycles.</a:t>
-            </a:r>
-            <a:endParaRPr lang="en-US" sz="1750" dirty="0"/>
-          </a:p>
-        </p:txBody>
-      </p:sp>
-      <p:sp>
-        <p:nvSpPr>
-          <p:cNvPr id="7" name="Shape 5"/>
-          <p:cNvSpPr/>
-          <p:nvPr/>
-        </p:nvSpPr>
-        <p:spPr>
-          <a:xfrm>
-            <a:off x="5235893" y="3119676"/>
-            <a:ext cx="113348" cy="113348"/>
-          </a:xfrm>
-          <a:prstGeom prst="roundRect">
-            <a:avLst>
-              <a:gd name="adj" fmla="val 403360"/>
-            </a:avLst>
-          </a:prstGeom>
-          <a:solidFill>
-            <a:srgbClr val="224435"/>
-          </a:solidFill>
-          <a:ln/>
-        </p:spPr>
-        <p:txBody>
-          <a:bodyPr/>
-          <a:lstStyle/>
-          <a:p>
-            <a:endParaRPr lang="en-US"/>
-          </a:p>
-        </p:txBody>
-      </p:sp>
-      <p:sp>
-        <p:nvSpPr>
-          <p:cNvPr id="8" name="Text 6"/>
-          <p:cNvSpPr/>
-          <p:nvPr/>
-        </p:nvSpPr>
-        <p:spPr>
-          <a:xfrm>
-            <a:off x="5576054" y="2999184"/>
-            <a:ext cx="3467338" cy="354330"/>
-          </a:xfrm>
-          <a:prstGeom prst="rect">
-            <a:avLst/>
-          </a:prstGeom>
-          <a:noFill/>
-          <a:ln/>
-        </p:spPr>
-        <p:txBody>
-          <a:bodyPr wrap="none" lIns="0" tIns="0" rIns="0" bIns="0" rtlCol="0" anchor="t"/>
-          <a:lstStyle/>
-          <a:p>
-            <a:pPr marL="0" indent="0" algn="l">
-              <a:lnSpc>
-                <a:spcPts val="2750"/>
-              </a:lnSpc>
-              <a:buNone/>
-            </a:pPr>
-            <a:r>
-              <a:rPr lang="en-US" sz="2200" b="1" dirty="0">
-                <a:solidFill>
-                  <a:srgbClr val="3B4E4E"/>
-                </a:solidFill>
-                <a:latin typeface="Syne Bold" pitchFamily="34" charset="0"/>
-                <a:ea typeface="Syne Bold" pitchFamily="34" charset="-122"/>
-                <a:cs typeface="Syne Bold" pitchFamily="34" charset="-120"/>
-              </a:rPr>
-              <a:t>Depth-Limited Search</a:t>
-            </a:r>
-            <a:endParaRPr lang="en-US" sz="2200" dirty="0"/>
-          </a:p>
-        </p:txBody>
-      </p:sp>
-      <p:sp>
-        <p:nvSpPr>
-          <p:cNvPr id="9" name="Text 7"/>
-          <p:cNvSpPr/>
-          <p:nvPr/>
-        </p:nvSpPr>
-        <p:spPr>
-          <a:xfrm>
-            <a:off x="5576054" y="3489603"/>
-            <a:ext cx="3818453" cy="2540318"/>
-          </a:xfrm>
-          <a:prstGeom prst="rect">
-            <a:avLst/>
-          </a:prstGeom>
-          <a:noFill/>
-          <a:ln/>
-        </p:spPr>
-        <p:txBody>
-          <a:bodyPr wrap="square" lIns="0" tIns="0" rIns="0" bIns="0" rtlCol="0" anchor="t"/>
-          <a:lstStyle/>
-          <a:p>
-            <a:pPr marL="0" indent="0" algn="l">
-              <a:lnSpc>
-                <a:spcPts val="2850"/>
-              </a:lnSpc>
-              <a:buNone/>
-            </a:pPr>
-            <a:r>
-              <a:rPr lang="en-US" sz="1750" dirty="0">
-                <a:solidFill>
-                  <a:srgbClr val="3B4E4E"/>
-                </a:solidFill>
-                <a:latin typeface="Overpass Light" pitchFamily="34" charset="0"/>
-                <a:ea typeface="Overpass Light" pitchFamily="34" charset="-122"/>
-                <a:cs typeface="Overpass Light" pitchFamily="34" charset="-120"/>
-              </a:rPr>
-              <a:t>A variation of DFS that explores only up to a predefined depth. This can prevent infinite exploration in very deep or infinite search spaces, at the cost of potential incompleteness if the solution lies beyond the depth limit.</a:t>
-            </a:r>
-            <a:endParaRPr lang="en-US" sz="1750" dirty="0"/>
-          </a:p>
-        </p:txBody>
-      </p:sp>
-      <p:sp>
-        <p:nvSpPr>
-          <p:cNvPr id="10" name="Shape 8"/>
-          <p:cNvSpPr/>
-          <p:nvPr/>
-        </p:nvSpPr>
-        <p:spPr>
-          <a:xfrm>
-            <a:off x="9677995" y="3119676"/>
-            <a:ext cx="113348" cy="113348"/>
-          </a:xfrm>
-          <a:prstGeom prst="roundRect">
-            <a:avLst>
-              <a:gd name="adj" fmla="val 403360"/>
-            </a:avLst>
-          </a:prstGeom>
-          <a:solidFill>
-            <a:srgbClr val="224435"/>
-          </a:solidFill>
-          <a:ln/>
-        </p:spPr>
-        <p:txBody>
-          <a:bodyPr/>
-          <a:lstStyle/>
-          <a:p>
-            <a:endParaRPr lang="en-US"/>
-          </a:p>
-        </p:txBody>
-      </p:sp>
-      <p:sp>
-        <p:nvSpPr>
-          <p:cNvPr id="11" name="Text 9"/>
-          <p:cNvSpPr/>
-          <p:nvPr/>
-        </p:nvSpPr>
-        <p:spPr>
-          <a:xfrm>
-            <a:off x="10018157" y="2999184"/>
-            <a:ext cx="2835235" cy="354330"/>
-          </a:xfrm>
-          <a:prstGeom prst="rect">
-            <a:avLst/>
-          </a:prstGeom>
-          <a:noFill/>
-          <a:ln/>
-        </p:spPr>
-        <p:txBody>
-          <a:bodyPr wrap="none" lIns="0" tIns="0" rIns="0" bIns="0" rtlCol="0" anchor="t"/>
-          <a:lstStyle/>
-          <a:p>
-            <a:pPr marL="0" indent="0" algn="l">
-              <a:lnSpc>
-                <a:spcPts val="2750"/>
-              </a:lnSpc>
-              <a:buNone/>
-            </a:pPr>
-            <a:r>
-              <a:rPr lang="en-US" sz="2200" b="1" dirty="0">
-                <a:solidFill>
-                  <a:srgbClr val="3B4E4E"/>
-                </a:solidFill>
-                <a:latin typeface="Syne Bold" pitchFamily="34" charset="0"/>
-                <a:ea typeface="Syne Bold" pitchFamily="34" charset="-122"/>
-                <a:cs typeface="Syne Bold" pitchFamily="34" charset="-120"/>
-              </a:rPr>
-              <a:t>Trade-offs</a:t>
-            </a:r>
-            <a:endParaRPr lang="en-US" sz="2200" dirty="0"/>
-          </a:p>
-        </p:txBody>
-      </p:sp>
-      <p:sp>
-        <p:nvSpPr>
-          <p:cNvPr id="12" name="Text 10"/>
-          <p:cNvSpPr/>
-          <p:nvPr/>
-        </p:nvSpPr>
-        <p:spPr>
-          <a:xfrm>
-            <a:off x="10018157" y="3489603"/>
-            <a:ext cx="3818453" cy="2177415"/>
-          </a:xfrm>
-          <a:prstGeom prst="rect">
-            <a:avLst/>
-          </a:prstGeom>
-          <a:noFill/>
-          <a:ln/>
-        </p:spPr>
-        <p:txBody>
-          <a:bodyPr wrap="square" lIns="0" tIns="0" rIns="0" bIns="0" rtlCol="0" anchor="t"/>
-          <a:lstStyle/>
-          <a:p>
-            <a:pPr marL="0" indent="0" algn="l">
-              <a:lnSpc>
-                <a:spcPts val="2850"/>
-              </a:lnSpc>
-              <a:buNone/>
-            </a:pPr>
-            <a:r>
-              <a:rPr lang="en-US" sz="1750" dirty="0">
-                <a:solidFill>
-                  <a:srgbClr val="3B4E4E"/>
-                </a:solidFill>
-                <a:latin typeface="Overpass Light" pitchFamily="34" charset="0"/>
-                <a:ea typeface="Overpass Light" pitchFamily="34" charset="-122"/>
-                <a:cs typeface="Overpass Light" pitchFamily="34" charset="-120"/>
-              </a:rPr>
-              <a:t>Choosing an algorithm involves balancing </a:t>
-            </a:r>
-            <a:r>
-              <a:rPr lang="en-US" sz="1750" b="1" dirty="0">
-                <a:solidFill>
-                  <a:srgbClr val="3B4E4E"/>
-                </a:solidFill>
-                <a:latin typeface="Overpass Light" pitchFamily="34" charset="0"/>
-                <a:ea typeface="Overpass Light" pitchFamily="34" charset="-122"/>
-                <a:cs typeface="Overpass Light" pitchFamily="34" charset="-120"/>
-              </a:rPr>
-              <a:t>time complexity</a:t>
-            </a:r>
-            <a:r>
-              <a:rPr lang="en-US" sz="1750" dirty="0">
-                <a:solidFill>
-                  <a:srgbClr val="3B4E4E"/>
-                </a:solidFill>
-                <a:latin typeface="Overpass Light" pitchFamily="34" charset="0"/>
-                <a:ea typeface="Overpass Light" pitchFamily="34" charset="-122"/>
-                <a:cs typeface="Overpass Light" pitchFamily="34" charset="-120"/>
-              </a:rPr>
-              <a:t> (how long it takes), </a:t>
-            </a:r>
-            <a:r>
-              <a:rPr lang="en-US" sz="1750" b="1" dirty="0">
-                <a:solidFill>
-                  <a:srgbClr val="3B4E4E"/>
-                </a:solidFill>
-                <a:latin typeface="Overpass Light" pitchFamily="34" charset="0"/>
-                <a:ea typeface="Overpass Light" pitchFamily="34" charset="-122"/>
-                <a:cs typeface="Overpass Light" pitchFamily="34" charset="-120"/>
-              </a:rPr>
-              <a:t>space complexity</a:t>
-            </a:r>
-            <a:r>
-              <a:rPr lang="en-US" sz="1750" dirty="0">
-                <a:solidFill>
-                  <a:srgbClr val="3B4E4E"/>
-                </a:solidFill>
-                <a:latin typeface="Overpass Light" pitchFamily="34" charset="0"/>
-                <a:ea typeface="Overpass Light" pitchFamily="34" charset="-122"/>
-                <a:cs typeface="Overpass Light" pitchFamily="34" charset="-120"/>
-              </a:rPr>
-              <a:t> (how much memory it uses), and </a:t>
-            </a:r>
-            <a:r>
-              <a:rPr lang="en-US" sz="1750" b="1" dirty="0">
-                <a:solidFill>
-                  <a:srgbClr val="3B4E4E"/>
-                </a:solidFill>
-                <a:latin typeface="Overpass Light" pitchFamily="34" charset="0"/>
-                <a:ea typeface="Overpass Light" pitchFamily="34" charset="-122"/>
-                <a:cs typeface="Overpass Light" pitchFamily="34" charset="-120"/>
-              </a:rPr>
-              <a:t>optimality</a:t>
-            </a:r>
-            <a:r>
-              <a:rPr lang="en-US" sz="1750" dirty="0">
-                <a:solidFill>
-                  <a:srgbClr val="3B4E4E"/>
-                </a:solidFill>
-                <a:latin typeface="Overpass Light" pitchFamily="34" charset="0"/>
-                <a:ea typeface="Overpass Light" pitchFamily="34" charset="-122"/>
-                <a:cs typeface="Overpass Light" pitchFamily="34" charset="-120"/>
-              </a:rPr>
-              <a:t> (whether it finds the best solution).</a:t>
-            </a:r>
-            <a:endParaRPr lang="en-US" sz="1750" dirty="0"/>
-          </a:p>
-        </p:txBody>
-      </p:sp>
-      <p:sp>
-        <p:nvSpPr>
-          <p:cNvPr id="13" name="Text 11"/>
-          <p:cNvSpPr/>
-          <p:nvPr/>
-        </p:nvSpPr>
-        <p:spPr>
-          <a:xfrm>
-            <a:off x="793790" y="6285071"/>
-            <a:ext cx="13042821" cy="725805"/>
-          </a:xfrm>
-          <a:prstGeom prst="rect">
-            <a:avLst/>
-          </a:prstGeom>
-          <a:noFill/>
-          <a:ln/>
-        </p:spPr>
-        <p:txBody>
-          <a:bodyPr wrap="square" lIns="0" tIns="0" rIns="0" bIns="0" rtlCol="0" anchor="t"/>
-          <a:lstStyle/>
-          <a:p>
-            <a:pPr marL="0" indent="0" algn="l">
-              <a:lnSpc>
-                <a:spcPts val="2850"/>
-              </a:lnSpc>
-              <a:buNone/>
-            </a:pPr>
-            <a:r>
-              <a:rPr lang="en-US" sz="1750" dirty="0">
-                <a:solidFill>
-                  <a:srgbClr val="3B4E4E"/>
-                </a:solidFill>
-                <a:latin typeface="Overpass Light" pitchFamily="34" charset="0"/>
-                <a:ea typeface="Overpass Light" pitchFamily="34" charset="-122"/>
-                <a:cs typeface="Overpass Light" pitchFamily="34" charset="-120"/>
-              </a:rPr>
-              <a:t>These algorithms have vast real-world applications, from efficient route planning in GPS systems and robotics navigation to automated reasoning in expert systems.</a:t>
-            </a:r>
-            <a:endParaRPr lang="en-US" sz="1750" dirty="0"/>
+              <a:rPr lang="en-US" sz="1550" dirty="0">
+                <a:solidFill>
+                  <a:srgbClr val="3B4E4E"/>
+                </a:solidFill>
+                <a:latin typeface="Overpass Light" pitchFamily="34" charset="0"/>
+                <a:ea typeface="Overpass Light" pitchFamily="34" charset="-122"/>
+                <a:cs typeface="Overpass Light" pitchFamily="34" charset="-120"/>
+              </a:rPr>
+              <a:t>Are you ready to use Python to build intelligent systems that can navigate and solve the world's most challenging problems? Let's continue to explore!</a:t>
+            </a:r>
+            <a:endParaRPr lang="en-US" sz="1550" dirty="0"/>
           </a:p>
         </p:txBody>
       </p:sp>
